--- a/doc/Game Concepts.pptx
+++ b/doc/Game Concepts.pptx
@@ -105,6 +105,11 @@
       </a:defRPr>
     </a:lvl9pPr>
   </p:defaultTextStyle>
+  <p:extLst>
+    <p:ext uri="{EFAFB233-063F-42B5-8137-9DF3F51BA10A}">
+      <p15:sldGuideLst xmlns:p15="http://schemas.microsoft.com/office/powerpoint/2012/main"/>
+    </p:ext>
+  </p:extLst>
 </p:presentation>
 </file>
 
@@ -153,7 +158,6 @@
               <a:rPr lang="en-US"/>
               <a:t>Click to edit Master title style</a:t>
             </a:r>
-            <a:endParaRPr lang="en-US"/>
           </a:p>
         </p:txBody>
       </p:sp>
@@ -218,7 +222,6 @@
               <a:rPr lang="en-US"/>
               <a:t>Click to edit Master subtitle style</a:t>
             </a:r>
-            <a:endParaRPr lang="en-US"/>
           </a:p>
         </p:txBody>
       </p:sp>
@@ -239,7 +242,7 @@
           <a:p>
             <a:fld id="{73A1A5C1-240D-43A1-82C8-EF98961FD2D8}" type="datetimeFigureOut">
               <a:rPr lang="en-US" smtClean="0"/>
-              <a:t>5/28/2017</a:t>
+              <a:t>8/18/2022</a:t>
             </a:fld>
             <a:endParaRPr lang="en-US"/>
           </a:p>
@@ -336,7 +339,6 @@
               <a:rPr lang="en-US"/>
               <a:t>Click to edit Master title style</a:t>
             </a:r>
-            <a:endParaRPr lang="en-US"/>
           </a:p>
         </p:txBody>
       </p:sp>
@@ -388,7 +390,6 @@
               <a:rPr lang="en-US"/>
               <a:t>Fifth level</a:t>
             </a:r>
-            <a:endParaRPr lang="en-US"/>
           </a:p>
         </p:txBody>
       </p:sp>
@@ -409,7 +410,7 @@
           <a:p>
             <a:fld id="{73A1A5C1-240D-43A1-82C8-EF98961FD2D8}" type="datetimeFigureOut">
               <a:rPr lang="en-US" smtClean="0"/>
-              <a:t>5/28/2017</a:t>
+              <a:t>8/18/2022</a:t>
             </a:fld>
             <a:endParaRPr lang="en-US"/>
           </a:p>
@@ -511,7 +512,6 @@
               <a:rPr lang="en-US"/>
               <a:t>Click to edit Master title style</a:t>
             </a:r>
-            <a:endParaRPr lang="en-US"/>
           </a:p>
         </p:txBody>
       </p:sp>
@@ -568,7 +568,6 @@
               <a:rPr lang="en-US"/>
               <a:t>Fifth level</a:t>
             </a:r>
-            <a:endParaRPr lang="en-US"/>
           </a:p>
         </p:txBody>
       </p:sp>
@@ -589,7 +588,7 @@
           <a:p>
             <a:fld id="{73A1A5C1-240D-43A1-82C8-EF98961FD2D8}" type="datetimeFigureOut">
               <a:rPr lang="en-US" smtClean="0"/>
-              <a:t>5/28/2017</a:t>
+              <a:t>8/18/2022</a:t>
             </a:fld>
             <a:endParaRPr lang="en-US"/>
           </a:p>
@@ -686,7 +685,6 @@
               <a:rPr lang="en-US"/>
               <a:t>Click to edit Master title style</a:t>
             </a:r>
-            <a:endParaRPr lang="en-US"/>
           </a:p>
         </p:txBody>
       </p:sp>
@@ -738,7 +736,6 @@
               <a:rPr lang="en-US"/>
               <a:t>Fifth level</a:t>
             </a:r>
-            <a:endParaRPr lang="en-US"/>
           </a:p>
         </p:txBody>
       </p:sp>
@@ -759,7 +756,7 @@
           <a:p>
             <a:fld id="{73A1A5C1-240D-43A1-82C8-EF98961FD2D8}" type="datetimeFigureOut">
               <a:rPr lang="en-US" smtClean="0"/>
-              <a:t>5/28/2017</a:t>
+              <a:t>8/18/2022</a:t>
             </a:fld>
             <a:endParaRPr lang="en-US"/>
           </a:p>
@@ -865,7 +862,6 @@
               <a:rPr lang="en-US"/>
               <a:t>Click to edit Master title style</a:t>
             </a:r>
-            <a:endParaRPr lang="en-US"/>
           </a:p>
         </p:txBody>
       </p:sp>
@@ -1005,7 +1001,7 @@
           <a:p>
             <a:fld id="{73A1A5C1-240D-43A1-82C8-EF98961FD2D8}" type="datetimeFigureOut">
               <a:rPr lang="en-US" smtClean="0"/>
-              <a:t>5/28/2017</a:t>
+              <a:t>8/18/2022</a:t>
             </a:fld>
             <a:endParaRPr lang="en-US"/>
           </a:p>
@@ -1102,7 +1098,6 @@
               <a:rPr lang="en-US"/>
               <a:t>Click to edit Master title style</a:t>
             </a:r>
-            <a:endParaRPr lang="en-US"/>
           </a:p>
         </p:txBody>
       </p:sp>
@@ -1159,7 +1154,6 @@
               <a:rPr lang="en-US"/>
               <a:t>Fifth level</a:t>
             </a:r>
-            <a:endParaRPr lang="en-US"/>
           </a:p>
         </p:txBody>
       </p:sp>
@@ -1216,7 +1210,6 @@
               <a:rPr lang="en-US"/>
               <a:t>Fifth level</a:t>
             </a:r>
-            <a:endParaRPr lang="en-US"/>
           </a:p>
         </p:txBody>
       </p:sp>
@@ -1237,7 +1230,7 @@
           <a:p>
             <a:fld id="{73A1A5C1-240D-43A1-82C8-EF98961FD2D8}" type="datetimeFigureOut">
               <a:rPr lang="en-US" smtClean="0"/>
-              <a:t>5/28/2017</a:t>
+              <a:t>8/18/2022</a:t>
             </a:fld>
             <a:endParaRPr lang="en-US"/>
           </a:p>
@@ -1339,7 +1332,6 @@
               <a:rPr lang="en-US"/>
               <a:t>Click to edit Master title style</a:t>
             </a:r>
-            <a:endParaRPr lang="en-US"/>
           </a:p>
         </p:txBody>
       </p:sp>
@@ -1461,7 +1453,6 @@
               <a:rPr lang="en-US"/>
               <a:t>Fifth level</a:t>
             </a:r>
-            <a:endParaRPr lang="en-US"/>
           </a:p>
         </p:txBody>
       </p:sp>
@@ -1583,7 +1574,6 @@
               <a:rPr lang="en-US"/>
               <a:t>Fifth level</a:t>
             </a:r>
-            <a:endParaRPr lang="en-US"/>
           </a:p>
         </p:txBody>
       </p:sp>
@@ -1604,7 +1594,7 @@
           <a:p>
             <a:fld id="{73A1A5C1-240D-43A1-82C8-EF98961FD2D8}" type="datetimeFigureOut">
               <a:rPr lang="en-US" smtClean="0"/>
-              <a:t>5/28/2017</a:t>
+              <a:t>8/18/2022</a:t>
             </a:fld>
             <a:endParaRPr lang="en-US"/>
           </a:p>
@@ -1701,7 +1691,6 @@
               <a:rPr lang="en-US"/>
               <a:t>Click to edit Master title style</a:t>
             </a:r>
-            <a:endParaRPr lang="en-US"/>
           </a:p>
         </p:txBody>
       </p:sp>
@@ -1722,7 +1711,7 @@
           <a:p>
             <a:fld id="{73A1A5C1-240D-43A1-82C8-EF98961FD2D8}" type="datetimeFigureOut">
               <a:rPr lang="en-US" smtClean="0"/>
-              <a:t>5/28/2017</a:t>
+              <a:t>8/18/2022</a:t>
             </a:fld>
             <a:endParaRPr lang="en-US"/>
           </a:p>
@@ -1817,7 +1806,7 @@
           <a:p>
             <a:fld id="{73A1A5C1-240D-43A1-82C8-EF98961FD2D8}" type="datetimeFigureOut">
               <a:rPr lang="en-US" smtClean="0"/>
-              <a:t>5/28/2017</a:t>
+              <a:t>8/18/2022</a:t>
             </a:fld>
             <a:endParaRPr lang="en-US"/>
           </a:p>
@@ -1923,7 +1912,6 @@
               <a:rPr lang="en-US"/>
               <a:t>Click to edit Master title style</a:t>
             </a:r>
-            <a:endParaRPr lang="en-US"/>
           </a:p>
         </p:txBody>
       </p:sp>
@@ -2008,7 +1996,6 @@
               <a:rPr lang="en-US"/>
               <a:t>Fifth level</a:t>
             </a:r>
-            <a:endParaRPr lang="en-US"/>
           </a:p>
         </p:txBody>
       </p:sp>
@@ -2094,7 +2081,7 @@
           <a:p>
             <a:fld id="{73A1A5C1-240D-43A1-82C8-EF98961FD2D8}" type="datetimeFigureOut">
               <a:rPr lang="en-US" smtClean="0"/>
-              <a:t>5/28/2017</a:t>
+              <a:t>8/18/2022</a:t>
             </a:fld>
             <a:endParaRPr lang="en-US"/>
           </a:p>
@@ -2200,7 +2187,6 @@
               <a:rPr lang="en-US"/>
               <a:t>Click to edit Master title style</a:t>
             </a:r>
-            <a:endParaRPr lang="en-US"/>
           </a:p>
         </p:txBody>
       </p:sp>
@@ -2347,7 +2333,7 @@
           <a:p>
             <a:fld id="{73A1A5C1-240D-43A1-82C8-EF98961FD2D8}" type="datetimeFigureOut">
               <a:rPr lang="en-US" smtClean="0"/>
-              <a:t>5/28/2017</a:t>
+              <a:t>8/18/2022</a:t>
             </a:fld>
             <a:endParaRPr lang="en-US"/>
           </a:p>
@@ -2459,7 +2445,6 @@
               <a:rPr lang="en-US"/>
               <a:t>Click to edit Master title style</a:t>
             </a:r>
-            <a:endParaRPr lang="en-US"/>
           </a:p>
         </p:txBody>
       </p:sp>
@@ -2521,7 +2506,6 @@
               <a:rPr lang="en-US"/>
               <a:t>Fifth level</a:t>
             </a:r>
-            <a:endParaRPr lang="en-US"/>
           </a:p>
         </p:txBody>
       </p:sp>
@@ -2560,7 +2544,7 @@
           <a:p>
             <a:fld id="{73A1A5C1-240D-43A1-82C8-EF98961FD2D8}" type="datetimeFigureOut">
               <a:rPr lang="en-US" smtClean="0"/>
-              <a:t>5/28/2017</a:t>
+              <a:t>8/18/2022</a:t>
             </a:fld>
             <a:endParaRPr lang="en-US"/>
           </a:p>
@@ -3160,36 +3144,6 @@
           </a:p>
         </p:txBody>
       </p:sp>
-      <p:pic>
-        <p:nvPicPr>
-          <p:cNvPr id="18" name="Picture 17"/>
-          <p:cNvPicPr>
-            <a:picLocks noChangeAspect="1"/>
-          </p:cNvPicPr>
-          <p:nvPr/>
-        </p:nvPicPr>
-        <p:blipFill>
-          <a:blip r:embed="rId2">
-            <a:extLst>
-              <a:ext uri="{28A0092B-C50C-407E-A947-70E740481C1C}">
-                <a14:useLocalDpi xmlns:a14="http://schemas.microsoft.com/office/drawing/2010/main" val="0"/>
-              </a:ext>
-            </a:extLst>
-          </a:blip>
-          <a:stretch>
-            <a:fillRect/>
-          </a:stretch>
-        </p:blipFill>
-        <p:spPr>
-          <a:xfrm>
-            <a:off x="5822541" y="573368"/>
-            <a:ext cx="5598877" cy="5598877"/>
-          </a:xfrm>
-          <a:prstGeom prst="rect">
-            <a:avLst/>
-          </a:prstGeom>
-        </p:spPr>
-      </p:pic>
     </p:spTree>
     <p:extLst>
       <p:ext uri="{BB962C8B-B14F-4D97-AF65-F5344CB8AC3E}">
@@ -3220,126 +3174,6 @@
           <a:chExt cx="0" cy="0"/>
         </a:xfrm>
       </p:grpSpPr>
-      <p:pic>
-        <p:nvPicPr>
-          <p:cNvPr id="7" name="Picture 6"/>
-          <p:cNvPicPr>
-            <a:picLocks noChangeAspect="1"/>
-          </p:cNvPicPr>
-          <p:nvPr/>
-        </p:nvPicPr>
-        <p:blipFill>
-          <a:blip r:embed="rId2">
-            <a:extLst>
-              <a:ext uri="{28A0092B-C50C-407E-A947-70E740481C1C}">
-                <a14:useLocalDpi xmlns:a14="http://schemas.microsoft.com/office/drawing/2010/main" val="0"/>
-              </a:ext>
-            </a:extLst>
-          </a:blip>
-          <a:stretch>
-            <a:fillRect/>
-          </a:stretch>
-        </p:blipFill>
-        <p:spPr>
-          <a:xfrm rot="19534026">
-            <a:off x="9005638" y="1619112"/>
-            <a:ext cx="2081463" cy="2081463"/>
-          </a:xfrm>
-          <a:prstGeom prst="rect">
-            <a:avLst/>
-          </a:prstGeom>
-        </p:spPr>
-      </p:pic>
-      <p:cxnSp>
-        <p:nvCxnSpPr>
-          <p:cNvPr id="12" name="Straight Connector 11"/>
-          <p:cNvCxnSpPr/>
-          <p:nvPr/>
-        </p:nvCxnSpPr>
-        <p:spPr>
-          <a:xfrm flipV="1">
-            <a:off x="6200777" y="3200399"/>
-            <a:ext cx="4268483" cy="1181100"/>
-          </a:xfrm>
-          <a:prstGeom prst="line">
-            <a:avLst/>
-          </a:prstGeom>
-          <a:ln w="28575">
-            <a:solidFill>
-              <a:schemeClr val="accent6">
-                <a:lumMod val="50000"/>
-              </a:schemeClr>
-            </a:solidFill>
-          </a:ln>
-          <a:effectLst>
-            <a:glow rad="63500">
-              <a:schemeClr val="accent6">
-                <a:satMod val="175000"/>
-                <a:alpha val="40000"/>
-              </a:schemeClr>
-            </a:glow>
-          </a:effectLst>
-        </p:spPr>
-        <p:style>
-          <a:lnRef idx="1">
-            <a:schemeClr val="accent1"/>
-          </a:lnRef>
-          <a:fillRef idx="0">
-            <a:schemeClr val="accent1"/>
-          </a:fillRef>
-          <a:effectRef idx="0">
-            <a:schemeClr val="accent1"/>
-          </a:effectRef>
-          <a:fontRef idx="minor">
-            <a:schemeClr val="tx1"/>
-          </a:fontRef>
-        </p:style>
-      </p:cxnSp>
-      <p:cxnSp>
-        <p:nvCxnSpPr>
-          <p:cNvPr id="9" name="Straight Connector 8"/>
-          <p:cNvCxnSpPr/>
-          <p:nvPr/>
-        </p:nvCxnSpPr>
-        <p:spPr>
-          <a:xfrm flipV="1">
-            <a:off x="6543677" y="3204912"/>
-            <a:ext cx="3881688" cy="1910012"/>
-          </a:xfrm>
-          <a:prstGeom prst="line">
-            <a:avLst/>
-          </a:prstGeom>
-          <a:ln w="28575">
-            <a:solidFill>
-              <a:schemeClr val="accent6">
-                <a:lumMod val="50000"/>
-              </a:schemeClr>
-            </a:solidFill>
-          </a:ln>
-          <a:effectLst>
-            <a:glow rad="63500">
-              <a:schemeClr val="accent6">
-                <a:satMod val="175000"/>
-                <a:alpha val="40000"/>
-              </a:schemeClr>
-            </a:glow>
-          </a:effectLst>
-        </p:spPr>
-        <p:style>
-          <a:lnRef idx="1">
-            <a:schemeClr val="accent1"/>
-          </a:lnRef>
-          <a:fillRef idx="0">
-            <a:schemeClr val="accent1"/>
-          </a:fillRef>
-          <a:effectRef idx="0">
-            <a:schemeClr val="accent1"/>
-          </a:effectRef>
-          <a:fontRef idx="minor">
-            <a:schemeClr val="tx1"/>
-          </a:fontRef>
-        </p:style>
-      </p:cxnSp>
       <p:sp>
         <p:nvSpPr>
           <p:cNvPr id="4" name="TextBox 3"/>
@@ -3372,98 +3206,6 @@
           </a:p>
         </p:txBody>
       </p:sp>
-      <p:pic>
-        <p:nvPicPr>
-          <p:cNvPr id="5" name="Picture 4"/>
-          <p:cNvPicPr>
-            <a:picLocks noChangeAspect="1"/>
-          </p:cNvPicPr>
-          <p:nvPr/>
-        </p:nvPicPr>
-        <p:blipFill>
-          <a:blip r:embed="rId3">
-            <a:extLst>
-              <a:ext uri="{28A0092B-C50C-407E-A947-70E740481C1C}">
-                <a14:useLocalDpi xmlns:a14="http://schemas.microsoft.com/office/drawing/2010/main" val="0"/>
-              </a:ext>
-            </a:extLst>
-          </a:blip>
-          <a:stretch>
-            <a:fillRect/>
-          </a:stretch>
-        </p:blipFill>
-        <p:spPr>
-          <a:xfrm rot="3446359">
-            <a:off x="5694949" y="3668128"/>
-            <a:ext cx="1905000" cy="1905000"/>
-          </a:xfrm>
-          <a:prstGeom prst="rect">
-            <a:avLst/>
-          </a:prstGeom>
-        </p:spPr>
-      </p:pic>
-      <p:sp>
-        <p:nvSpPr>
-          <p:cNvPr id="13" name="Oval 12"/>
-          <p:cNvSpPr/>
-          <p:nvPr/>
-        </p:nvSpPr>
-        <p:spPr>
-          <a:xfrm>
-            <a:off x="10363978" y="3117064"/>
-            <a:ext cx="166669" cy="166669"/>
-          </a:xfrm>
-          <a:prstGeom prst="ellipse">
-            <a:avLst/>
-          </a:prstGeom>
-          <a:solidFill>
-            <a:schemeClr val="accent6">
-              <a:lumMod val="60000"/>
-              <a:lumOff val="40000"/>
-            </a:schemeClr>
-          </a:solidFill>
-          <a:ln w="34925">
-            <a:solidFill>
-              <a:schemeClr val="accent6">
-                <a:lumMod val="20000"/>
-                <a:lumOff val="80000"/>
-              </a:schemeClr>
-            </a:solidFill>
-          </a:ln>
-          <a:effectLst>
-            <a:glow rad="101600">
-              <a:schemeClr val="accent2">
-                <a:satMod val="175000"/>
-                <a:alpha val="40000"/>
-              </a:schemeClr>
-            </a:glow>
-          </a:effectLst>
-        </p:spPr>
-        <p:style>
-          <a:lnRef idx="2">
-            <a:schemeClr val="accent1">
-              <a:shade val="50000"/>
-            </a:schemeClr>
-          </a:lnRef>
-          <a:fillRef idx="1">
-            <a:schemeClr val="accent1"/>
-          </a:fillRef>
-          <a:effectRef idx="0">
-            <a:schemeClr val="accent1"/>
-          </a:effectRef>
-          <a:fontRef idx="minor">
-            <a:schemeClr val="lt1"/>
-          </a:fontRef>
-        </p:style>
-        <p:txBody>
-          <a:bodyPr rtlCol="0" anchor="ctr"/>
-          <a:lstStyle/>
-          <a:p>
-            <a:pPr algn="ctr"/>
-            <a:endParaRPr lang="en-US"/>
-          </a:p>
-        </p:txBody>
-      </p:sp>
       <p:sp>
         <p:nvSpPr>
           <p:cNvPr id="16" name="TextBox 15"/>
@@ -3522,7 +3264,6 @@
               <a:rPr lang="en-US" dirty="0"/>
               <a:t>Effective attack power: 3</a:t>
             </a:r>
-            <a:endParaRPr lang="en-US" dirty="0"/>
           </a:p>
           <a:p>
             <a:r>
@@ -3611,7 +3352,6 @@
               <a:rPr lang="en-US" dirty="0"/>
               <a:t>Effective attack power: 2</a:t>
             </a:r>
-            <a:endParaRPr lang="en-US" dirty="0"/>
           </a:p>
           <a:p>
             <a:r>
